--- a/Stefanini/Stefanini.Clientes/Stefanini.Cliente.Experian/Guia PIPlanning _ExperianV1.0 (002) (003)_REV SH (01).pptx
+++ b/Stefanini/Stefanini.Clientes/Stefanini.Cliente.Experian/Guia PIPlanning _ExperianV1.0 (002) (003)_REV SH (01).pptx
@@ -16143,119 +16143,6 @@
       </p:sp>
       <p:graphicFrame>
         <p:nvGraphicFramePr>
-          <p:cNvPr id="10" name="Marcador de posición de contenido 9"/>
-          <p:cNvGraphicFramePr>
-            <a:graphicFrameLocks noGrp="1"/>
-          </p:cNvGraphicFramePr>
-          <p:nvPr>
-            <p:ph sz="half" idx="1"/>
-            <p:extLst>
-              <p:ext uri="{D42A27DB-BD31-4B8C-83A1-F6EECF244321}">
-                <p14:modId xmlns:p14="http://schemas.microsoft.com/office/powerpoint/2010/main" val="2713102359"/>
-              </p:ext>
-            </p:extLst>
-          </p:nvPr>
-        </p:nvGraphicFramePr>
-        <p:xfrm>
-          <a:off x="252248" y="1961831"/>
-          <a:ext cx="2629497" cy="685800"/>
-        </p:xfrm>
-        <a:graphic>
-          <a:graphicData uri="http://schemas.openxmlformats.org/presentationml/2006/ole">
-            <mc:AlternateContent xmlns:mc="http://schemas.openxmlformats.org/markup-compatibility/2006">
-              <mc:Choice xmlns:v="urn:schemas-microsoft-com:vml" Requires="v">
-                <p:oleObj spid="_x0000_s11786" name="Imagen de mapa de bits" r:id="rId3" imgW="2647800" imgH="571680" progId="Paint.Picture">
-                  <p:embed/>
-                </p:oleObj>
-              </mc:Choice>
-              <mc:Fallback>
-                <p:oleObj name="Imagen de mapa de bits" r:id="rId3" imgW="2647800" imgH="571680" progId="Paint.Picture">
-                  <p:embed/>
-                  <p:pic>
-                    <p:nvPicPr>
-                      <p:cNvPr id="0" name="Marcador de posición de contenido 9"/>
-                      <p:cNvPicPr/>
-                      <p:nvPr/>
-                    </p:nvPicPr>
-                    <p:blipFill>
-                      <a:blip r:embed="rId4"/>
-                      <a:stretch>
-                        <a:fillRect/>
-                      </a:stretch>
-                    </p:blipFill>
-                    <p:spPr>
-                      <a:xfrm>
-                        <a:off x="252248" y="1961831"/>
-                        <a:ext cx="2629497" cy="685800"/>
-                      </a:xfrm>
-                      <a:prstGeom prst="rect">
-                        <a:avLst/>
-                      </a:prstGeom>
-                    </p:spPr>
-                  </p:pic>
-                </p:oleObj>
-              </mc:Fallback>
-            </mc:AlternateContent>
-          </a:graphicData>
-        </a:graphic>
-      </p:graphicFrame>
-      <p:graphicFrame>
-        <p:nvGraphicFramePr>
-          <p:cNvPr id="24" name="Objeto 23"/>
-          <p:cNvGraphicFramePr/>
-          <p:nvPr>
-            <p:extLst>
-              <p:ext uri="{D42A27DB-BD31-4B8C-83A1-F6EECF244321}">
-                <p14:modId xmlns:p14="http://schemas.microsoft.com/office/powerpoint/2010/main" val="2854114781"/>
-              </p:ext>
-            </p:extLst>
-          </p:nvPr>
-        </p:nvGraphicFramePr>
-        <p:xfrm>
-          <a:off x="252248" y="3006790"/>
-          <a:ext cx="2629497" cy="723265"/>
-        </p:xfrm>
-        <a:graphic>
-          <a:graphicData uri="http://schemas.openxmlformats.org/presentationml/2006/ole">
-            <mc:AlternateContent xmlns:mc="http://schemas.openxmlformats.org/markup-compatibility/2006">
-              <mc:Choice xmlns:v="urn:schemas-microsoft-com:vml" Requires="v">
-                <p:oleObj spid="_x0000_s11787" name="Imagen de mapa de bits" r:id="rId5" imgW="2590800" imgH="495300" progId="Paint.Picture">
-                  <p:embed/>
-                </p:oleObj>
-              </mc:Choice>
-              <mc:Fallback>
-                <p:oleObj name="Imagen de mapa de bits" r:id="rId5" imgW="2590800" imgH="495300" progId="Paint.Picture">
-                  <p:embed/>
-                  <p:pic>
-                    <p:nvPicPr>
-                      <p:cNvPr id="0" name="Objeto 23"/>
-                      <p:cNvPicPr/>
-                      <p:nvPr/>
-                    </p:nvPicPr>
-                    <p:blipFill>
-                      <a:blip r:embed="rId6"/>
-                      <a:stretch>
-                        <a:fillRect/>
-                      </a:stretch>
-                    </p:blipFill>
-                    <p:spPr>
-                      <a:xfrm>
-                        <a:off x="252248" y="3006790"/>
-                        <a:ext cx="2629497" cy="723265"/>
-                      </a:xfrm>
-                      <a:prstGeom prst="rect">
-                        <a:avLst/>
-                      </a:prstGeom>
-                    </p:spPr>
-                  </p:pic>
-                </p:oleObj>
-              </mc:Fallback>
-            </mc:AlternateContent>
-          </a:graphicData>
-        </a:graphic>
-      </p:graphicFrame>
-      <p:graphicFrame>
-        <p:nvGraphicFramePr>
           <p:cNvPr id="27" name="Marcador de posición de contenido 26"/>
           <p:cNvGraphicFramePr>
             <a:graphicFrameLocks noGrp="1"/>
@@ -16277,12 +16164,12 @@
           <a:graphicData uri="http://schemas.openxmlformats.org/presentationml/2006/ole">
             <mc:AlternateContent xmlns:mc="http://schemas.openxmlformats.org/markup-compatibility/2006">
               <mc:Choice xmlns:v="urn:schemas-microsoft-com:vml" Requires="v">
-                <p:oleObj spid="_x0000_s11788" r:id="rId7" imgW="2543175" imgH="733425" progId="Paint.Picture">
+                <p:oleObj spid="_x0000_s11794" r:id="rId3" imgW="2543175" imgH="733425" progId="Paint.Picture">
                   <p:embed/>
                 </p:oleObj>
               </mc:Choice>
               <mc:Fallback>
-                <p:oleObj r:id="rId7" imgW="2543175" imgH="733425" progId="Paint.Picture">
+                <p:oleObj r:id="rId3" imgW="2543175" imgH="733425" progId="Paint.Picture">
                   <p:embed/>
                   <p:pic>
                     <p:nvPicPr>
@@ -16291,7 +16178,7 @@
                       <p:nvPr/>
                     </p:nvPicPr>
                     <p:blipFill>
-                      <a:blip r:embed="rId8"/>
+                      <a:blip r:embed="rId4"/>
                       <a:stretch>
                         <a:fillRect/>
                       </a:stretch>
@@ -16332,12 +16219,12 @@
           <a:graphicData uri="http://schemas.openxmlformats.org/presentationml/2006/ole">
             <mc:AlternateContent xmlns:mc="http://schemas.openxmlformats.org/markup-compatibility/2006">
               <mc:Choice xmlns:v="urn:schemas-microsoft-com:vml" Requires="v">
-                <p:oleObj spid="_x0000_s11789" r:id="rId9" imgW="2552700" imgH="533400" progId="Paint.Picture">
+                <p:oleObj spid="_x0000_s11795" r:id="rId5" imgW="2552700" imgH="533400" progId="Paint.Picture">
                   <p:embed/>
                 </p:oleObj>
               </mc:Choice>
               <mc:Fallback>
-                <p:oleObj r:id="rId9" imgW="2552700" imgH="533400" progId="Paint.Picture">
+                <p:oleObj r:id="rId5" imgW="2552700" imgH="533400" progId="Paint.Picture">
                   <p:embed/>
                   <p:pic>
                     <p:nvPicPr>
@@ -16346,7 +16233,7 @@
                       <p:nvPr/>
                     </p:nvPicPr>
                     <p:blipFill>
-                      <a:blip r:embed="rId10"/>
+                      <a:blip r:embed="rId6"/>
                       <a:stretch>
                         <a:fillRect/>
                       </a:stretch>
@@ -16530,6 +16417,11 @@
           <a:solidFill>
             <a:srgbClr val="BA2881"/>
           </a:solidFill>
+          <a:ln>
+            <a:solidFill>
+              <a:srgbClr val="BA2881"/>
+            </a:solidFill>
+          </a:ln>
         </p:spPr>
         <p:style>
           <a:lnRef idx="2">
@@ -16600,6 +16492,11 @@
           <a:solidFill>
             <a:srgbClr val="BA2881"/>
           </a:solidFill>
+          <a:ln>
+            <a:solidFill>
+              <a:srgbClr val="BA2881"/>
+            </a:solidFill>
+          </a:ln>
         </p:spPr>
         <p:style>
           <a:lnRef idx="2">
@@ -16868,6 +16765,319 @@
           </a:p>
         </p:txBody>
       </p:sp>
+      <p:grpSp>
+        <p:nvGrpSpPr>
+          <p:cNvPr id="18" name="Grupo 17">
+            <a:extLst>
+              <a:ext uri="{FF2B5EF4-FFF2-40B4-BE49-F238E27FC236}">
+                <a16:creationId xmlns:a16="http://schemas.microsoft.com/office/drawing/2014/main" id="{016388E8-09E4-414D-9BC8-A15D86F4146A}"/>
+              </a:ext>
+            </a:extLst>
+          </p:cNvPr>
+          <p:cNvGrpSpPr/>
+          <p:nvPr/>
+        </p:nvGrpSpPr>
+        <p:grpSpPr>
+          <a:xfrm>
+            <a:off x="560507" y="2113064"/>
+            <a:ext cx="2348338" cy="546909"/>
+            <a:chOff x="495304" y="2671091"/>
+            <a:chExt cx="2348338" cy="546909"/>
+          </a:xfrm>
+        </p:grpSpPr>
+        <p:sp>
+          <p:nvSpPr>
+            <p:cNvPr id="12" name="Rectángulo: esquinas redondeadas 11">
+              <a:extLst>
+                <a:ext uri="{FF2B5EF4-FFF2-40B4-BE49-F238E27FC236}">
+                  <a16:creationId xmlns:a16="http://schemas.microsoft.com/office/drawing/2014/main" id="{587A86DA-A907-406A-8259-7282B7828AAD}"/>
+                </a:ext>
+              </a:extLst>
+            </p:cNvPr>
+            <p:cNvSpPr/>
+            <p:nvPr/>
+          </p:nvSpPr>
+          <p:spPr>
+            <a:xfrm>
+              <a:off x="982980" y="2671091"/>
+              <a:ext cx="1860662" cy="546909"/>
+            </a:xfrm>
+            <a:prstGeom prst="roundRect">
+              <a:avLst/>
+            </a:prstGeom>
+            <a:solidFill>
+              <a:srgbClr val="406EB3"/>
+            </a:solidFill>
+            <a:ln>
+              <a:solidFill>
+                <a:schemeClr val="accent1"/>
+              </a:solidFill>
+            </a:ln>
+          </p:spPr>
+          <p:style>
+            <a:lnRef idx="2">
+              <a:schemeClr val="accent1">
+                <a:shade val="50000"/>
+              </a:schemeClr>
+            </a:lnRef>
+            <a:fillRef idx="1">
+              <a:schemeClr val="accent1"/>
+            </a:fillRef>
+            <a:effectRef idx="0">
+              <a:schemeClr val="accent1"/>
+            </a:effectRef>
+            <a:fontRef idx="minor">
+              <a:schemeClr val="lt1"/>
+            </a:fontRef>
+          </p:style>
+          <p:txBody>
+            <a:bodyPr rtlCol="0" anchor="ctr"/>
+            <a:lstStyle/>
+            <a:p>
+              <a:pPr algn="ctr"/>
+              <a:r>
+                <a:rPr lang="es-ES" sz="1400" dirty="0">
+                  <a:latin typeface="Arial" panose="020B0604020202020204" pitchFamily="34" charset="0"/>
+                  <a:cs typeface="Arial" panose="020B0604020202020204" pitchFamily="34" charset="0"/>
+                </a:rPr>
+                <a:t>Business </a:t>
+              </a:r>
+              <a:r>
+                <a:rPr lang="es-ES" sz="1400" dirty="0" err="1">
+                  <a:latin typeface="Arial" panose="020B0604020202020204" pitchFamily="34" charset="0"/>
+                  <a:cs typeface="Arial" panose="020B0604020202020204" pitchFamily="34" charset="0"/>
+                </a:rPr>
+                <a:t>Context</a:t>
+              </a:r>
+              <a:endParaRPr lang="es-CO" sz="1400" dirty="0">
+                <a:latin typeface="Arial" panose="020B0604020202020204" pitchFamily="34" charset="0"/>
+                <a:cs typeface="Arial" panose="020B0604020202020204" pitchFamily="34" charset="0"/>
+              </a:endParaRPr>
+            </a:p>
+          </p:txBody>
+        </p:sp>
+        <p:sp>
+          <p:nvSpPr>
+            <p:cNvPr id="17" name="CuadroTexto 16">
+              <a:extLst>
+                <a:ext uri="{FF2B5EF4-FFF2-40B4-BE49-F238E27FC236}">
+                  <a16:creationId xmlns:a16="http://schemas.microsoft.com/office/drawing/2014/main" id="{506ECF1A-67EC-49FA-9E15-CAC276D5BE23}"/>
+                </a:ext>
+              </a:extLst>
+            </p:cNvPr>
+            <p:cNvSpPr txBox="1"/>
+            <p:nvPr/>
+          </p:nvSpPr>
+          <p:spPr>
+            <a:xfrm>
+              <a:off x="495304" y="2759569"/>
+              <a:ext cx="482824" cy="430887"/>
+            </a:xfrm>
+            <a:prstGeom prst="rect">
+              <a:avLst/>
+            </a:prstGeom>
+            <a:noFill/>
+          </p:spPr>
+          <p:txBody>
+            <a:bodyPr wrap="none" rtlCol="0">
+              <a:spAutoFit/>
+            </a:bodyPr>
+            <a:lstStyle/>
+            <a:p>
+              <a:r>
+                <a:rPr lang="es-ES" sz="1100" dirty="0">
+                  <a:solidFill>
+                    <a:srgbClr val="575756"/>
+                  </a:solidFill>
+                </a:rPr>
+                <a:t>8:00-</a:t>
+              </a:r>
+            </a:p>
+            <a:p>
+              <a:r>
+                <a:rPr lang="es-ES" sz="1100" dirty="0">
+                  <a:solidFill>
+                    <a:srgbClr val="575756"/>
+                  </a:solidFill>
+                </a:rPr>
+                <a:t>9:00</a:t>
+              </a:r>
+              <a:endParaRPr lang="es-CO" sz="1100" dirty="0">
+                <a:solidFill>
+                  <a:srgbClr val="575756"/>
+                </a:solidFill>
+              </a:endParaRPr>
+            </a:p>
+          </p:txBody>
+        </p:sp>
+      </p:grpSp>
+      <p:grpSp>
+        <p:nvGrpSpPr>
+          <p:cNvPr id="28" name="Grupo 27">
+            <a:extLst>
+              <a:ext uri="{FF2B5EF4-FFF2-40B4-BE49-F238E27FC236}">
+                <a16:creationId xmlns:a16="http://schemas.microsoft.com/office/drawing/2014/main" id="{D953E19F-071E-47DC-8003-CAD807804395}"/>
+              </a:ext>
+            </a:extLst>
+          </p:cNvPr>
+          <p:cNvGrpSpPr/>
+          <p:nvPr/>
+        </p:nvGrpSpPr>
+        <p:grpSpPr>
+          <a:xfrm>
+            <a:off x="531652" y="3146534"/>
+            <a:ext cx="2377193" cy="572025"/>
+            <a:chOff x="466449" y="2671091"/>
+            <a:chExt cx="2377193" cy="572025"/>
+          </a:xfrm>
+        </p:grpSpPr>
+        <p:sp>
+          <p:nvSpPr>
+            <p:cNvPr id="29" name="Rectángulo: esquinas redondeadas 28">
+              <a:extLst>
+                <a:ext uri="{FF2B5EF4-FFF2-40B4-BE49-F238E27FC236}">
+                  <a16:creationId xmlns:a16="http://schemas.microsoft.com/office/drawing/2014/main" id="{8DC695B1-7FFD-4CDB-BFC6-A90CEA99C0C9}"/>
+                </a:ext>
+              </a:extLst>
+            </p:cNvPr>
+            <p:cNvSpPr/>
+            <p:nvPr/>
+          </p:nvSpPr>
+          <p:spPr>
+            <a:xfrm>
+              <a:off x="982980" y="2671091"/>
+              <a:ext cx="1860662" cy="572025"/>
+            </a:xfrm>
+            <a:prstGeom prst="roundRect">
+              <a:avLst/>
+            </a:prstGeom>
+            <a:solidFill>
+              <a:srgbClr val="406EB3"/>
+            </a:solidFill>
+            <a:ln>
+              <a:solidFill>
+                <a:schemeClr val="accent1"/>
+              </a:solidFill>
+            </a:ln>
+          </p:spPr>
+          <p:style>
+            <a:lnRef idx="2">
+              <a:schemeClr val="accent1">
+                <a:shade val="50000"/>
+              </a:schemeClr>
+            </a:lnRef>
+            <a:fillRef idx="1">
+              <a:schemeClr val="accent1"/>
+            </a:fillRef>
+            <a:effectRef idx="0">
+              <a:schemeClr val="accent1"/>
+            </a:effectRef>
+            <a:fontRef idx="minor">
+              <a:schemeClr val="lt1"/>
+            </a:fontRef>
+          </p:style>
+          <p:txBody>
+            <a:bodyPr rtlCol="0" anchor="ctr"/>
+            <a:lstStyle/>
+            <a:p>
+              <a:pPr algn="ctr"/>
+              <a:r>
+                <a:rPr lang="es-ES" sz="1400" dirty="0" err="1">
+                  <a:latin typeface="Arial" panose="020B0604020202020204" pitchFamily="34" charset="0"/>
+                  <a:cs typeface="Arial" panose="020B0604020202020204" pitchFamily="34" charset="0"/>
+                </a:rPr>
+                <a:t>Product</a:t>
+              </a:r>
+              <a:r>
+                <a:rPr lang="es-ES" sz="1400" dirty="0">
+                  <a:latin typeface="Arial" panose="020B0604020202020204" pitchFamily="34" charset="0"/>
+                  <a:cs typeface="Arial" panose="020B0604020202020204" pitchFamily="34" charset="0"/>
+                </a:rPr>
+                <a:t>/</a:t>
+              </a:r>
+              <a:r>
+                <a:rPr lang="es-ES" sz="1400" dirty="0" err="1">
+                  <a:latin typeface="Arial" panose="020B0604020202020204" pitchFamily="34" charset="0"/>
+                  <a:cs typeface="Arial" panose="020B0604020202020204" pitchFamily="34" charset="0"/>
+                </a:rPr>
+                <a:t>Solution</a:t>
+              </a:r>
+              <a:endParaRPr lang="es-ES" sz="1400" dirty="0">
+                <a:latin typeface="Arial" panose="020B0604020202020204" pitchFamily="34" charset="0"/>
+                <a:cs typeface="Arial" panose="020B0604020202020204" pitchFamily="34" charset="0"/>
+              </a:endParaRPr>
+            </a:p>
+            <a:p>
+              <a:pPr algn="ctr"/>
+              <a:r>
+                <a:rPr lang="es-ES" sz="1400" dirty="0" err="1">
+                  <a:latin typeface="Arial" panose="020B0604020202020204" pitchFamily="34" charset="0"/>
+                  <a:cs typeface="Arial" panose="020B0604020202020204" pitchFamily="34" charset="0"/>
+                </a:rPr>
+                <a:t>Vision</a:t>
+              </a:r>
+              <a:endParaRPr lang="es-CO" sz="1400" dirty="0">
+                <a:latin typeface="Arial" panose="020B0604020202020204" pitchFamily="34" charset="0"/>
+                <a:cs typeface="Arial" panose="020B0604020202020204" pitchFamily="34" charset="0"/>
+              </a:endParaRPr>
+            </a:p>
+          </p:txBody>
+        </p:sp>
+        <p:sp>
+          <p:nvSpPr>
+            <p:cNvPr id="30" name="CuadroTexto 29">
+              <a:extLst>
+                <a:ext uri="{FF2B5EF4-FFF2-40B4-BE49-F238E27FC236}">
+                  <a16:creationId xmlns:a16="http://schemas.microsoft.com/office/drawing/2014/main" id="{0781AE0D-0BEE-4D18-BDFF-A054C520AEB4}"/>
+                </a:ext>
+              </a:extLst>
+            </p:cNvPr>
+            <p:cNvSpPr txBox="1"/>
+            <p:nvPr/>
+          </p:nvSpPr>
+          <p:spPr>
+            <a:xfrm>
+              <a:off x="466449" y="2738113"/>
+              <a:ext cx="511679" cy="430887"/>
+            </a:xfrm>
+            <a:prstGeom prst="rect">
+              <a:avLst/>
+            </a:prstGeom>
+            <a:noFill/>
+          </p:spPr>
+          <p:txBody>
+            <a:bodyPr wrap="none" rtlCol="0">
+              <a:spAutoFit/>
+            </a:bodyPr>
+            <a:lstStyle/>
+            <a:p>
+              <a:r>
+                <a:rPr lang="es-ES" sz="1100" dirty="0">
+                  <a:solidFill>
+                    <a:srgbClr val="575756"/>
+                  </a:solidFill>
+                </a:rPr>
+                <a:t>9:00-</a:t>
+              </a:r>
+            </a:p>
+            <a:p>
+              <a:r>
+                <a:rPr lang="es-ES" sz="1100" dirty="0">
+                  <a:solidFill>
+                    <a:srgbClr val="575756"/>
+                  </a:solidFill>
+                </a:rPr>
+                <a:t>10:30</a:t>
+              </a:r>
+              <a:endParaRPr lang="es-CO" sz="1100" dirty="0">
+                <a:solidFill>
+                  <a:srgbClr val="575756"/>
+                </a:solidFill>
+              </a:endParaRPr>
+            </a:p>
+          </p:txBody>
+        </p:sp>
+      </p:grpSp>
     </p:spTree>
   </p:cSld>
   <p:clrMapOvr>
@@ -17069,7 +17279,7 @@
           <a:graphicData uri="http://schemas.openxmlformats.org/presentationml/2006/ole">
             <mc:AlternateContent xmlns:mc="http://schemas.openxmlformats.org/markup-compatibility/2006">
               <mc:Choice xmlns:v="urn:schemas-microsoft-com:vml" Requires="v">
-                <p:oleObj spid="_x0000_s2206" r:id="rId3" imgW="2609850" imgH="1085850" progId="Paint.Picture">
+                <p:oleObj spid="_x0000_s2208" r:id="rId3" imgW="2609850" imgH="1085850" progId="Paint.Picture">
                   <p:embed/>
                 </p:oleObj>
               </mc:Choice>
